--- a/Assets/annotated images_models.pptx
+++ b/Assets/annotated images_models.pptx
@@ -7,6 +7,8 @@
   <p:sldIdLst>
     <p:sldId id="256" r:id="rId2"/>
     <p:sldId id="257" r:id="rId3"/>
+    <p:sldId id="258" r:id="rId4"/>
+    <p:sldId id="259" r:id="rId5"/>
   </p:sldIdLst>
   <p:sldSz cx="12192000" cy="6858000"/>
   <p:notesSz cx="6858000" cy="9144000"/>
@@ -105,6 +107,11 @@
       </a:defRPr>
     </a:lvl9pPr>
   </p:defaultTextStyle>
+  <p:extLst>
+    <p:ext uri="{EFAFB233-063F-42B5-8137-9DF3F51BA10A}">
+      <p15:sldGuideLst xmlns:p15="http://schemas.microsoft.com/office/powerpoint/2012/main"/>
+    </p:ext>
+  </p:extLst>
 </p:presentation>
 </file>
 
@@ -255,7 +262,7 @@
           <a:p>
             <a:fld id="{ECDAC0C9-4F50-8E44-81E2-62EE5B9CB827}" type="datetimeFigureOut">
               <a:rPr lang="en-US" smtClean="0"/>
-              <a:t>7/21/23</a:t>
+              <a:t>8/25/23</a:t>
             </a:fld>
             <a:endParaRPr lang="en-US"/>
           </a:p>
@@ -453,7 +460,7 @@
           <a:p>
             <a:fld id="{ECDAC0C9-4F50-8E44-81E2-62EE5B9CB827}" type="datetimeFigureOut">
               <a:rPr lang="en-US" smtClean="0"/>
-              <a:t>7/21/23</a:t>
+              <a:t>8/25/23</a:t>
             </a:fld>
             <a:endParaRPr lang="en-US"/>
           </a:p>
@@ -661,7 +668,7 @@
           <a:p>
             <a:fld id="{ECDAC0C9-4F50-8E44-81E2-62EE5B9CB827}" type="datetimeFigureOut">
               <a:rPr lang="en-US" smtClean="0"/>
-              <a:t>7/21/23</a:t>
+              <a:t>8/25/23</a:t>
             </a:fld>
             <a:endParaRPr lang="en-US"/>
           </a:p>
@@ -859,7 +866,7 @@
           <a:p>
             <a:fld id="{ECDAC0C9-4F50-8E44-81E2-62EE5B9CB827}" type="datetimeFigureOut">
               <a:rPr lang="en-US" smtClean="0"/>
-              <a:t>7/21/23</a:t>
+              <a:t>8/25/23</a:t>
             </a:fld>
             <a:endParaRPr lang="en-US"/>
           </a:p>
@@ -1134,7 +1141,7 @@
           <a:p>
             <a:fld id="{ECDAC0C9-4F50-8E44-81E2-62EE5B9CB827}" type="datetimeFigureOut">
               <a:rPr lang="en-US" smtClean="0"/>
-              <a:t>7/21/23</a:t>
+              <a:t>8/25/23</a:t>
             </a:fld>
             <a:endParaRPr lang="en-US"/>
           </a:p>
@@ -1399,7 +1406,7 @@
           <a:p>
             <a:fld id="{ECDAC0C9-4F50-8E44-81E2-62EE5B9CB827}" type="datetimeFigureOut">
               <a:rPr lang="en-US" smtClean="0"/>
-              <a:t>7/21/23</a:t>
+              <a:t>8/25/23</a:t>
             </a:fld>
             <a:endParaRPr lang="en-US"/>
           </a:p>
@@ -1811,7 +1818,7 @@
           <a:p>
             <a:fld id="{ECDAC0C9-4F50-8E44-81E2-62EE5B9CB827}" type="datetimeFigureOut">
               <a:rPr lang="en-US" smtClean="0"/>
-              <a:t>7/21/23</a:t>
+              <a:t>8/25/23</a:t>
             </a:fld>
             <a:endParaRPr lang="en-US"/>
           </a:p>
@@ -1952,7 +1959,7 @@
           <a:p>
             <a:fld id="{ECDAC0C9-4F50-8E44-81E2-62EE5B9CB827}" type="datetimeFigureOut">
               <a:rPr lang="en-US" smtClean="0"/>
-              <a:t>7/21/23</a:t>
+              <a:t>8/25/23</a:t>
             </a:fld>
             <a:endParaRPr lang="en-US"/>
           </a:p>
@@ -2065,7 +2072,7 @@
           <a:p>
             <a:fld id="{ECDAC0C9-4F50-8E44-81E2-62EE5B9CB827}" type="datetimeFigureOut">
               <a:rPr lang="en-US" smtClean="0"/>
-              <a:t>7/21/23</a:t>
+              <a:t>8/25/23</a:t>
             </a:fld>
             <a:endParaRPr lang="en-US"/>
           </a:p>
@@ -2376,7 +2383,7 @@
           <a:p>
             <a:fld id="{ECDAC0C9-4F50-8E44-81E2-62EE5B9CB827}" type="datetimeFigureOut">
               <a:rPr lang="en-US" smtClean="0"/>
-              <a:t>7/21/23</a:t>
+              <a:t>8/25/23</a:t>
             </a:fld>
             <a:endParaRPr lang="en-US"/>
           </a:p>
@@ -2664,7 +2671,7 @@
           <a:p>
             <a:fld id="{ECDAC0C9-4F50-8E44-81E2-62EE5B9CB827}" type="datetimeFigureOut">
               <a:rPr lang="en-US" smtClean="0"/>
-              <a:t>7/21/23</a:t>
+              <a:t>8/25/23</a:t>
             </a:fld>
             <a:endParaRPr lang="en-US"/>
           </a:p>
@@ -2905,7 +2912,7 @@
           <a:p>
             <a:fld id="{ECDAC0C9-4F50-8E44-81E2-62EE5B9CB827}" type="datetimeFigureOut">
               <a:rPr lang="en-US" smtClean="0"/>
-              <a:t>7/21/23</a:t>
+              <a:t>8/25/23</a:t>
             </a:fld>
             <a:endParaRPr lang="en-US"/>
           </a:p>
@@ -4087,6 +4094,654 @@
 </p:sld>
 </file>
 
+<file path=ppt/slides/slide3.xml><?xml version="1.0" encoding="utf-8"?>
+<p:sld xmlns:a="http://schemas.openxmlformats.org/drawingml/2006/main" xmlns:r="http://schemas.openxmlformats.org/officeDocument/2006/relationships" xmlns:p="http://schemas.openxmlformats.org/presentationml/2006/main">
+  <p:cSld>
+    <p:spTree>
+      <p:nvGrpSpPr>
+        <p:cNvPr id="1" name=""/>
+        <p:cNvGrpSpPr/>
+        <p:nvPr/>
+      </p:nvGrpSpPr>
+      <p:grpSpPr>
+        <a:xfrm>
+          <a:off x="0" y="0"/>
+          <a:ext cx="0" cy="0"/>
+          <a:chOff x="0" y="0"/>
+          <a:chExt cx="0" cy="0"/>
+        </a:xfrm>
+      </p:grpSpPr>
+      <p:pic>
+        <p:nvPicPr>
+          <p:cNvPr id="7" name="Picture 6" descr="A screenshot of a computer&#10;&#10;Description automatically generated">
+            <a:extLst>
+              <a:ext uri="{FF2B5EF4-FFF2-40B4-BE49-F238E27FC236}">
+                <a16:creationId xmlns:a16="http://schemas.microsoft.com/office/drawing/2014/main" id="{B03096AD-26BC-2DDB-3656-2B0FAC6BF0F2}"/>
+              </a:ext>
+            </a:extLst>
+          </p:cNvPr>
+          <p:cNvPicPr>
+            <a:picLocks noChangeAspect="1"/>
+          </p:cNvPicPr>
+          <p:nvPr/>
+        </p:nvPicPr>
+        <p:blipFill>
+          <a:blip r:embed="rId2"/>
+          <a:stretch>
+            <a:fillRect/>
+          </a:stretch>
+        </p:blipFill>
+        <p:spPr>
+          <a:xfrm>
+            <a:off x="1632857" y="975490"/>
+            <a:ext cx="7772400" cy="3849947"/>
+          </a:xfrm>
+          <a:prstGeom prst="rect">
+            <a:avLst/>
+          </a:prstGeom>
+        </p:spPr>
+      </p:pic>
+      <p:sp>
+        <p:nvSpPr>
+          <p:cNvPr id="8" name="Rounded Rectangle 7">
+            <a:extLst>
+              <a:ext uri="{FF2B5EF4-FFF2-40B4-BE49-F238E27FC236}">
+                <a16:creationId xmlns:a16="http://schemas.microsoft.com/office/drawing/2014/main" id="{D584FC58-0610-ED23-3CE4-B9C2E2674FEE}"/>
+              </a:ext>
+            </a:extLst>
+          </p:cNvPr>
+          <p:cNvSpPr/>
+          <p:nvPr/>
+        </p:nvSpPr>
+        <p:spPr>
+          <a:xfrm>
+            <a:off x="7546654" y="1838843"/>
+            <a:ext cx="1302378" cy="599557"/>
+          </a:xfrm>
+          <a:prstGeom prst="roundRect">
+            <a:avLst/>
+          </a:prstGeom>
+          <a:noFill/>
+          <a:ln w="19050">
+            <a:solidFill>
+              <a:srgbClr val="FF0000"/>
+            </a:solidFill>
+          </a:ln>
+        </p:spPr>
+        <p:style>
+          <a:lnRef idx="2">
+            <a:schemeClr val="accent1">
+              <a:shade val="15000"/>
+            </a:schemeClr>
+          </a:lnRef>
+          <a:fillRef idx="1">
+            <a:schemeClr val="accent1"/>
+          </a:fillRef>
+          <a:effectRef idx="0">
+            <a:schemeClr val="accent1"/>
+          </a:effectRef>
+          <a:fontRef idx="minor">
+            <a:schemeClr val="lt1"/>
+          </a:fontRef>
+        </p:style>
+        <p:txBody>
+          <a:bodyPr rtlCol="0" anchor="ctr"/>
+          <a:lstStyle/>
+          <a:p>
+            <a:pPr algn="ctr"/>
+            <a:endParaRPr lang="en-US"/>
+          </a:p>
+        </p:txBody>
+      </p:sp>
+      <p:sp>
+        <p:nvSpPr>
+          <p:cNvPr id="9" name="TextBox 8">
+            <a:extLst>
+              <a:ext uri="{FF2B5EF4-FFF2-40B4-BE49-F238E27FC236}">
+                <a16:creationId xmlns:a16="http://schemas.microsoft.com/office/drawing/2014/main" id="{7D8CCBDB-580C-ACDD-F2E9-7F0B042279B0}"/>
+              </a:ext>
+            </a:extLst>
+          </p:cNvPr>
+          <p:cNvSpPr txBox="1"/>
+          <p:nvPr/>
+        </p:nvSpPr>
+        <p:spPr>
+          <a:xfrm>
+            <a:off x="6132228" y="2438400"/>
+            <a:ext cx="2828851" cy="276999"/>
+          </a:xfrm>
+          <a:prstGeom prst="rect">
+            <a:avLst/>
+          </a:prstGeom>
+          <a:noFill/>
+        </p:spPr>
+        <p:txBody>
+          <a:bodyPr wrap="none" rtlCol="0">
+            <a:spAutoFit/>
+          </a:bodyPr>
+          <a:lstStyle/>
+          <a:p>
+            <a:r>
+              <a:rPr lang="en-US" sz="1200" dirty="0">
+                <a:solidFill>
+                  <a:srgbClr val="FF0000"/>
+                </a:solidFill>
+              </a:rPr>
+              <a:t>Model Selector Cell. Changes Trigger Swap</a:t>
+            </a:r>
+            <a:endParaRPr lang="en-US" sz="1200" dirty="0">
+              <a:solidFill>
+                <a:srgbClr val="FF0000"/>
+              </a:solidFill>
+              <a:latin typeface="Consolas" panose="020B0609020204030204" pitchFamily="49" charset="0"/>
+              <a:cs typeface="Consolas" panose="020B0609020204030204" pitchFamily="49" charset="0"/>
+            </a:endParaRPr>
+          </a:p>
+        </p:txBody>
+      </p:sp>
+      <p:sp>
+        <p:nvSpPr>
+          <p:cNvPr id="10" name="TextBox 9">
+            <a:extLst>
+              <a:ext uri="{FF2B5EF4-FFF2-40B4-BE49-F238E27FC236}">
+                <a16:creationId xmlns:a16="http://schemas.microsoft.com/office/drawing/2014/main" id="{488B21D1-8486-D688-5F92-302FEA2BCA1E}"/>
+              </a:ext>
+            </a:extLst>
+          </p:cNvPr>
+          <p:cNvSpPr txBox="1"/>
+          <p:nvPr/>
+        </p:nvSpPr>
+        <p:spPr>
+          <a:xfrm>
+            <a:off x="3267149" y="1429946"/>
+            <a:ext cx="4076501" cy="276999"/>
+          </a:xfrm>
+          <a:prstGeom prst="rect">
+            <a:avLst/>
+          </a:prstGeom>
+          <a:noFill/>
+        </p:spPr>
+        <p:txBody>
+          <a:bodyPr wrap="none" rtlCol="0">
+            <a:spAutoFit/>
+          </a:bodyPr>
+          <a:lstStyle/>
+          <a:p>
+            <a:r>
+              <a:rPr lang="en-US" sz="1200" dirty="0">
+                <a:solidFill>
+                  <a:srgbClr val="FF0000"/>
+                </a:solidFill>
+              </a:rPr>
+              <a:t>Stationary “Dashboard” Scenario Model (not affected by Swap)</a:t>
+            </a:r>
+            <a:endParaRPr lang="en-US" sz="1200" dirty="0">
+              <a:solidFill>
+                <a:srgbClr val="FF0000"/>
+              </a:solidFill>
+              <a:latin typeface="Consolas" panose="020B0609020204030204" pitchFamily="49" charset="0"/>
+              <a:cs typeface="Consolas" panose="020B0609020204030204" pitchFamily="49" charset="0"/>
+            </a:endParaRPr>
+          </a:p>
+        </p:txBody>
+      </p:sp>
+      <p:sp>
+        <p:nvSpPr>
+          <p:cNvPr id="11" name="Rounded Rectangle 10">
+            <a:extLst>
+              <a:ext uri="{FF2B5EF4-FFF2-40B4-BE49-F238E27FC236}">
+                <a16:creationId xmlns:a16="http://schemas.microsoft.com/office/drawing/2014/main" id="{2B858ED0-30F6-B6AF-B942-4509C3F61C6E}"/>
+              </a:ext>
+            </a:extLst>
+          </p:cNvPr>
+          <p:cNvSpPr/>
+          <p:nvPr/>
+        </p:nvSpPr>
+        <p:spPr>
+          <a:xfrm>
+            <a:off x="2448627" y="2715399"/>
+            <a:ext cx="6882185" cy="1610795"/>
+          </a:xfrm>
+          <a:prstGeom prst="roundRect">
+            <a:avLst/>
+          </a:prstGeom>
+          <a:noFill/>
+          <a:ln w="19050">
+            <a:solidFill>
+              <a:srgbClr val="FF0000"/>
+            </a:solidFill>
+          </a:ln>
+        </p:spPr>
+        <p:style>
+          <a:lnRef idx="2">
+            <a:schemeClr val="accent1">
+              <a:shade val="15000"/>
+            </a:schemeClr>
+          </a:lnRef>
+          <a:fillRef idx="1">
+            <a:schemeClr val="accent1"/>
+          </a:fillRef>
+          <a:effectRef idx="0">
+            <a:schemeClr val="accent1"/>
+          </a:effectRef>
+          <a:fontRef idx="minor">
+            <a:schemeClr val="lt1"/>
+          </a:fontRef>
+        </p:style>
+        <p:txBody>
+          <a:bodyPr rtlCol="0" anchor="ctr"/>
+          <a:lstStyle/>
+          <a:p>
+            <a:pPr algn="ctr"/>
+            <a:endParaRPr lang="en-US"/>
+          </a:p>
+        </p:txBody>
+      </p:sp>
+      <p:sp>
+        <p:nvSpPr>
+          <p:cNvPr id="12" name="TextBox 11">
+            <a:extLst>
+              <a:ext uri="{FF2B5EF4-FFF2-40B4-BE49-F238E27FC236}">
+                <a16:creationId xmlns:a16="http://schemas.microsoft.com/office/drawing/2014/main" id="{36C1AECD-1C30-81CC-3E03-21077B5B6E6F}"/>
+              </a:ext>
+            </a:extLst>
+          </p:cNvPr>
+          <p:cNvSpPr txBox="1"/>
+          <p:nvPr/>
+        </p:nvSpPr>
+        <p:spPr>
+          <a:xfrm>
+            <a:off x="3851468" y="4298816"/>
+            <a:ext cx="3341043" cy="276999"/>
+          </a:xfrm>
+          <a:prstGeom prst="rect">
+            <a:avLst/>
+          </a:prstGeom>
+          <a:noFill/>
+        </p:spPr>
+        <p:txBody>
+          <a:bodyPr wrap="none" rtlCol="0">
+            <a:spAutoFit/>
+          </a:bodyPr>
+          <a:lstStyle/>
+          <a:p>
+            <a:r>
+              <a:rPr lang="en-US" sz="1200" dirty="0">
+                <a:solidFill>
+                  <a:srgbClr val="FF0000"/>
+                </a:solidFill>
+              </a:rPr>
+              <a:t>Swappable Scenario Model (from TblImport sheet)</a:t>
+            </a:r>
+            <a:endParaRPr lang="en-US" sz="1200" dirty="0">
+              <a:solidFill>
+                <a:srgbClr val="FF0000"/>
+              </a:solidFill>
+              <a:latin typeface="Consolas" panose="020B0609020204030204" pitchFamily="49" charset="0"/>
+              <a:cs typeface="Consolas" panose="020B0609020204030204" pitchFamily="49" charset="0"/>
+            </a:endParaRPr>
+          </a:p>
+        </p:txBody>
+      </p:sp>
+    </p:spTree>
+    <p:extLst>
+      <p:ext uri="{BB962C8B-B14F-4D97-AF65-F5344CB8AC3E}">
+        <p14:creationId xmlns:p14="http://schemas.microsoft.com/office/powerpoint/2010/main" val="1431178463"/>
+      </p:ext>
+    </p:extLst>
+  </p:cSld>
+  <p:clrMapOvr>
+    <a:masterClrMapping/>
+  </p:clrMapOvr>
+</p:sld>
+</file>
+
+<file path=ppt/slides/slide4.xml><?xml version="1.0" encoding="utf-8"?>
+<p:sld xmlns:a="http://schemas.openxmlformats.org/drawingml/2006/main" xmlns:r="http://schemas.openxmlformats.org/officeDocument/2006/relationships" xmlns:p="http://schemas.openxmlformats.org/presentationml/2006/main">
+  <p:cSld>
+    <p:spTree>
+      <p:nvGrpSpPr>
+        <p:cNvPr id="1" name=""/>
+        <p:cNvGrpSpPr/>
+        <p:nvPr/>
+      </p:nvGrpSpPr>
+      <p:grpSpPr>
+        <a:xfrm>
+          <a:off x="0" y="0"/>
+          <a:ext cx="0" cy="0"/>
+          <a:chOff x="0" y="0"/>
+          <a:chExt cx="0" cy="0"/>
+        </a:xfrm>
+      </p:grpSpPr>
+      <p:pic>
+        <p:nvPicPr>
+          <p:cNvPr id="3" name="Picture 2" descr="A screenshot of a computer&#10;&#10;Description automatically generated">
+            <a:extLst>
+              <a:ext uri="{FF2B5EF4-FFF2-40B4-BE49-F238E27FC236}">
+                <a16:creationId xmlns:a16="http://schemas.microsoft.com/office/drawing/2014/main" id="{5AE939BD-9712-479B-56FE-3EEB286070CD}"/>
+              </a:ext>
+            </a:extLst>
+          </p:cNvPr>
+          <p:cNvPicPr>
+            <a:picLocks noChangeAspect="1"/>
+          </p:cNvPicPr>
+          <p:nvPr/>
+        </p:nvPicPr>
+        <p:blipFill>
+          <a:blip r:embed="rId2"/>
+          <a:stretch>
+            <a:fillRect/>
+          </a:stretch>
+        </p:blipFill>
+        <p:spPr>
+          <a:xfrm>
+            <a:off x="1395132" y="1128946"/>
+            <a:ext cx="8173894" cy="1455503"/>
+          </a:xfrm>
+          <a:prstGeom prst="rect">
+            <a:avLst/>
+          </a:prstGeom>
+        </p:spPr>
+      </p:pic>
+      <p:sp>
+        <p:nvSpPr>
+          <p:cNvPr id="6" name="Rounded Rectangle 5">
+            <a:extLst>
+              <a:ext uri="{FF2B5EF4-FFF2-40B4-BE49-F238E27FC236}">
+                <a16:creationId xmlns:a16="http://schemas.microsoft.com/office/drawing/2014/main" id="{AB6D32B5-C604-7622-25A2-4E20F7893515}"/>
+              </a:ext>
+            </a:extLst>
+          </p:cNvPr>
+          <p:cNvSpPr/>
+          <p:nvPr/>
+        </p:nvSpPr>
+        <p:spPr>
+          <a:xfrm>
+            <a:off x="1515782" y="1333968"/>
+            <a:ext cx="7964768" cy="436340"/>
+          </a:xfrm>
+          <a:prstGeom prst="roundRect">
+            <a:avLst/>
+          </a:prstGeom>
+          <a:noFill/>
+          <a:ln w="19050">
+            <a:solidFill>
+              <a:srgbClr val="FF0000"/>
+            </a:solidFill>
+          </a:ln>
+        </p:spPr>
+        <p:style>
+          <a:lnRef idx="2">
+            <a:schemeClr val="accent1">
+              <a:shade val="15000"/>
+            </a:schemeClr>
+          </a:lnRef>
+          <a:fillRef idx="1">
+            <a:schemeClr val="accent1"/>
+          </a:fillRef>
+          <a:effectRef idx="0">
+            <a:schemeClr val="accent1"/>
+          </a:effectRef>
+          <a:fontRef idx="minor">
+            <a:schemeClr val="lt1"/>
+          </a:fontRef>
+        </p:style>
+        <p:txBody>
+          <a:bodyPr rtlCol="0" anchor="ctr"/>
+          <a:lstStyle/>
+          <a:p>
+            <a:pPr algn="ctr"/>
+            <a:endParaRPr lang="en-US"/>
+          </a:p>
+        </p:txBody>
+      </p:sp>
+      <p:sp>
+        <p:nvSpPr>
+          <p:cNvPr id="9" name="Rounded Rectangle 8">
+            <a:extLst>
+              <a:ext uri="{FF2B5EF4-FFF2-40B4-BE49-F238E27FC236}">
+                <a16:creationId xmlns:a16="http://schemas.microsoft.com/office/drawing/2014/main" id="{4FC68933-69BF-E427-1104-57012374D43C}"/>
+              </a:ext>
+            </a:extLst>
+          </p:cNvPr>
+          <p:cNvSpPr/>
+          <p:nvPr/>
+        </p:nvSpPr>
+        <p:spPr>
+          <a:xfrm>
+            <a:off x="1515782" y="1774638"/>
+            <a:ext cx="7964768" cy="620806"/>
+          </a:xfrm>
+          <a:prstGeom prst="roundRect">
+            <a:avLst/>
+          </a:prstGeom>
+          <a:noFill/>
+          <a:ln w="19050">
+            <a:solidFill>
+              <a:srgbClr val="FF0000"/>
+            </a:solidFill>
+          </a:ln>
+        </p:spPr>
+        <p:style>
+          <a:lnRef idx="2">
+            <a:schemeClr val="accent1">
+              <a:shade val="15000"/>
+            </a:schemeClr>
+          </a:lnRef>
+          <a:fillRef idx="1">
+            <a:schemeClr val="accent1"/>
+          </a:fillRef>
+          <a:effectRef idx="0">
+            <a:schemeClr val="accent1"/>
+          </a:effectRef>
+          <a:fontRef idx="minor">
+            <a:schemeClr val="lt1"/>
+          </a:fontRef>
+        </p:style>
+        <p:txBody>
+          <a:bodyPr rtlCol="0" anchor="ctr"/>
+          <a:lstStyle/>
+          <a:p>
+            <a:pPr algn="ctr"/>
+            <a:endParaRPr lang="en-US"/>
+          </a:p>
+        </p:txBody>
+      </p:sp>
+      <p:sp>
+        <p:nvSpPr>
+          <p:cNvPr id="10" name="Rounded Rectangle 9">
+            <a:extLst>
+              <a:ext uri="{FF2B5EF4-FFF2-40B4-BE49-F238E27FC236}">
+                <a16:creationId xmlns:a16="http://schemas.microsoft.com/office/drawing/2014/main" id="{084F7CB0-1D86-A642-29E6-E5004008E2B2}"/>
+              </a:ext>
+            </a:extLst>
+          </p:cNvPr>
+          <p:cNvSpPr/>
+          <p:nvPr/>
+        </p:nvSpPr>
+        <p:spPr>
+          <a:xfrm>
+            <a:off x="4965512" y="1329486"/>
+            <a:ext cx="4159438" cy="143714"/>
+          </a:xfrm>
+          <a:prstGeom prst="roundRect">
+            <a:avLst/>
+          </a:prstGeom>
+          <a:noFill/>
+          <a:ln w="12700">
+            <a:solidFill>
+              <a:srgbClr val="FF0000"/>
+            </a:solidFill>
+          </a:ln>
+        </p:spPr>
+        <p:style>
+          <a:lnRef idx="2">
+            <a:schemeClr val="accent1">
+              <a:shade val="15000"/>
+            </a:schemeClr>
+          </a:lnRef>
+          <a:fillRef idx="1">
+            <a:schemeClr val="accent1"/>
+          </a:fillRef>
+          <a:effectRef idx="0">
+            <a:schemeClr val="accent1"/>
+          </a:effectRef>
+          <a:fontRef idx="minor">
+            <a:schemeClr val="lt1"/>
+          </a:fontRef>
+        </p:style>
+        <p:txBody>
+          <a:bodyPr rtlCol="0" anchor="ctr"/>
+          <a:lstStyle/>
+          <a:p>
+            <a:pPr algn="ctr"/>
+            <a:endParaRPr lang="en-US"/>
+          </a:p>
+        </p:txBody>
+      </p:sp>
+      <p:sp>
+        <p:nvSpPr>
+          <p:cNvPr id="11" name="TextBox 10">
+            <a:extLst>
+              <a:ext uri="{FF2B5EF4-FFF2-40B4-BE49-F238E27FC236}">
+                <a16:creationId xmlns:a16="http://schemas.microsoft.com/office/drawing/2014/main" id="{C674E78F-F4C9-E1D9-0231-7CB628257BF5}"/>
+              </a:ext>
+            </a:extLst>
+          </p:cNvPr>
+          <p:cNvSpPr txBox="1"/>
+          <p:nvPr/>
+        </p:nvSpPr>
+        <p:spPr>
+          <a:xfrm>
+            <a:off x="6002792" y="1401343"/>
+            <a:ext cx="2536272" cy="253916"/>
+          </a:xfrm>
+          <a:prstGeom prst="rect">
+            <a:avLst/>
+          </a:prstGeom>
+          <a:noFill/>
+        </p:spPr>
+        <p:txBody>
+          <a:bodyPr wrap="none" rtlCol="0">
+            <a:spAutoFit/>
+          </a:bodyPr>
+          <a:lstStyle/>
+          <a:p>
+            <a:r>
+              <a:rPr lang="en-US" sz="1050" dirty="0">
+                <a:solidFill>
+                  <a:srgbClr val="FF0000"/>
+                </a:solidFill>
+              </a:rPr>
+              <a:t>Required mdl_name wayfinding parameter</a:t>
+            </a:r>
+          </a:p>
+        </p:txBody>
+      </p:sp>
+      <p:sp>
+        <p:nvSpPr>
+          <p:cNvPr id="12" name="Rounded Rectangle 11">
+            <a:extLst>
+              <a:ext uri="{FF2B5EF4-FFF2-40B4-BE49-F238E27FC236}">
+                <a16:creationId xmlns:a16="http://schemas.microsoft.com/office/drawing/2014/main" id="{95FB14F5-3877-BB9F-AA69-6FA235F16DE5}"/>
+              </a:ext>
+            </a:extLst>
+          </p:cNvPr>
+          <p:cNvSpPr/>
+          <p:nvPr/>
+        </p:nvSpPr>
+        <p:spPr>
+          <a:xfrm>
+            <a:off x="4965512" y="2158253"/>
+            <a:ext cx="2971988" cy="113565"/>
+          </a:xfrm>
+          <a:prstGeom prst="roundRect">
+            <a:avLst/>
+          </a:prstGeom>
+          <a:noFill/>
+          <a:ln w="12700">
+            <a:solidFill>
+              <a:srgbClr val="FF0000"/>
+            </a:solidFill>
+          </a:ln>
+        </p:spPr>
+        <p:style>
+          <a:lnRef idx="2">
+            <a:schemeClr val="accent1">
+              <a:shade val="15000"/>
+            </a:schemeClr>
+          </a:lnRef>
+          <a:fillRef idx="1">
+            <a:schemeClr val="accent1"/>
+          </a:fillRef>
+          <a:effectRef idx="0">
+            <a:schemeClr val="accent1"/>
+          </a:effectRef>
+          <a:fontRef idx="minor">
+            <a:schemeClr val="lt1"/>
+          </a:fontRef>
+        </p:style>
+        <p:txBody>
+          <a:bodyPr rtlCol="0" anchor="ctr"/>
+          <a:lstStyle/>
+          <a:p>
+            <a:pPr algn="ctr"/>
+            <a:endParaRPr lang="en-US"/>
+          </a:p>
+        </p:txBody>
+      </p:sp>
+      <p:sp>
+        <p:nvSpPr>
+          <p:cNvPr id="13" name="TextBox 12">
+            <a:extLst>
+              <a:ext uri="{FF2B5EF4-FFF2-40B4-BE49-F238E27FC236}">
+                <a16:creationId xmlns:a16="http://schemas.microsoft.com/office/drawing/2014/main" id="{7BDAE887-4F68-3E77-F027-7E3030DDD257}"/>
+              </a:ext>
+            </a:extLst>
+          </p:cNvPr>
+          <p:cNvSpPr txBox="1"/>
+          <p:nvPr/>
+        </p:nvSpPr>
+        <p:spPr>
+          <a:xfrm>
+            <a:off x="5569821" y="2203008"/>
+            <a:ext cx="1701107" cy="253916"/>
+          </a:xfrm>
+          <a:prstGeom prst="rect">
+            <a:avLst/>
+          </a:prstGeom>
+          <a:noFill/>
+        </p:spPr>
+        <p:txBody>
+          <a:bodyPr wrap="none" rtlCol="0">
+            <a:spAutoFit/>
+          </a:bodyPr>
+          <a:lstStyle/>
+          <a:p>
+            <a:r>
+              <a:rPr lang="en-US" sz="1050" dirty="0">
+                <a:solidFill>
+                  <a:srgbClr val="FF0000"/>
+                </a:solidFill>
+              </a:rPr>
+              <a:t>Example calculated variable</a:t>
+            </a:r>
+          </a:p>
+        </p:txBody>
+      </p:sp>
+    </p:spTree>
+    <p:extLst>
+      <p:ext uri="{BB962C8B-B14F-4D97-AF65-F5344CB8AC3E}">
+        <p14:creationId xmlns:p14="http://schemas.microsoft.com/office/powerpoint/2010/main" val="1870265058"/>
+      </p:ext>
+    </p:extLst>
+  </p:cSld>
+  <p:clrMapOvr>
+    <a:masterClrMapping/>
+  </p:clrMapOvr>
+</p:sld>
+</file>
+
 <file path=ppt/theme/theme1.xml><?xml version="1.0" encoding="utf-8"?>
 <a:theme xmlns:a="http://schemas.openxmlformats.org/drawingml/2006/main" name="Office Theme">
   <a:themeElements>
